--- a/TacticalVoting_Capstone.pptx
+++ b/TacticalVoting_Capstone.pptx
@@ -18,9 +18,14 @@
     <p:sldId id="271" r:id="rId12"/>
     <p:sldId id="260" r:id="rId13"/>
     <p:sldId id="266" r:id="rId14"/>
-    <p:sldId id="263" r:id="rId15"/>
-    <p:sldId id="269" r:id="rId16"/>
-    <p:sldId id="265" r:id="rId17"/>
+    <p:sldId id="274" r:id="rId15"/>
+    <p:sldId id="263" r:id="rId16"/>
+    <p:sldId id="269" r:id="rId17"/>
+    <p:sldId id="273" r:id="rId18"/>
+    <p:sldId id="265" r:id="rId19"/>
+    <p:sldId id="272" r:id="rId20"/>
+    <p:sldId id="275" r:id="rId21"/>
+    <p:sldId id="276" r:id="rId22"/>
   </p:sldIdLst>
   <p:sldSz cx="12192000" cy="6858000"/>
   <p:notesSz cx="6858000" cy="9144000"/>
@@ -276,7 +281,7 @@
           <a:p>
             <a:fld id="{0D157D38-51A7-4EB3-93C8-A3F33484E263}" type="datetimeFigureOut">
               <a:rPr lang="en-GB" smtClean="0"/>
-              <a:t>16/07/2018</a:t>
+              <a:t>27/07/2018</a:t>
             </a:fld>
             <a:endParaRPr lang="en-GB"/>
           </a:p>
@@ -476,7 +481,7 @@
           <a:p>
             <a:fld id="{0D157D38-51A7-4EB3-93C8-A3F33484E263}" type="datetimeFigureOut">
               <a:rPr lang="en-GB" smtClean="0"/>
-              <a:t>16/07/2018</a:t>
+              <a:t>27/07/2018</a:t>
             </a:fld>
             <a:endParaRPr lang="en-GB"/>
           </a:p>
@@ -686,7 +691,7 @@
           <a:p>
             <a:fld id="{0D157D38-51A7-4EB3-93C8-A3F33484E263}" type="datetimeFigureOut">
               <a:rPr lang="en-GB" smtClean="0"/>
-              <a:t>16/07/2018</a:t>
+              <a:t>27/07/2018</a:t>
             </a:fld>
             <a:endParaRPr lang="en-GB"/>
           </a:p>
@@ -886,7 +891,7 @@
           <a:p>
             <a:fld id="{0D157D38-51A7-4EB3-93C8-A3F33484E263}" type="datetimeFigureOut">
               <a:rPr lang="en-GB" smtClean="0"/>
-              <a:t>16/07/2018</a:t>
+              <a:t>27/07/2018</a:t>
             </a:fld>
             <a:endParaRPr lang="en-GB"/>
           </a:p>
@@ -1162,7 +1167,7 @@
           <a:p>
             <a:fld id="{0D157D38-51A7-4EB3-93C8-A3F33484E263}" type="datetimeFigureOut">
               <a:rPr lang="en-GB" smtClean="0"/>
-              <a:t>16/07/2018</a:t>
+              <a:t>27/07/2018</a:t>
             </a:fld>
             <a:endParaRPr lang="en-GB"/>
           </a:p>
@@ -1430,7 +1435,7 @@
           <a:p>
             <a:fld id="{0D157D38-51A7-4EB3-93C8-A3F33484E263}" type="datetimeFigureOut">
               <a:rPr lang="en-GB" smtClean="0"/>
-              <a:t>16/07/2018</a:t>
+              <a:t>27/07/2018</a:t>
             </a:fld>
             <a:endParaRPr lang="en-GB"/>
           </a:p>
@@ -1845,7 +1850,7 @@
           <a:p>
             <a:fld id="{0D157D38-51A7-4EB3-93C8-A3F33484E263}" type="datetimeFigureOut">
               <a:rPr lang="en-GB" smtClean="0"/>
-              <a:t>16/07/2018</a:t>
+              <a:t>27/07/2018</a:t>
             </a:fld>
             <a:endParaRPr lang="en-GB"/>
           </a:p>
@@ -1987,7 +1992,7 @@
           <a:p>
             <a:fld id="{0D157D38-51A7-4EB3-93C8-A3F33484E263}" type="datetimeFigureOut">
               <a:rPr lang="en-GB" smtClean="0"/>
-              <a:t>16/07/2018</a:t>
+              <a:t>27/07/2018</a:t>
             </a:fld>
             <a:endParaRPr lang="en-GB"/>
           </a:p>
@@ -2100,7 +2105,7 @@
           <a:p>
             <a:fld id="{0D157D38-51A7-4EB3-93C8-A3F33484E263}" type="datetimeFigureOut">
               <a:rPr lang="en-GB" smtClean="0"/>
-              <a:t>16/07/2018</a:t>
+              <a:t>27/07/2018</a:t>
             </a:fld>
             <a:endParaRPr lang="en-GB"/>
           </a:p>
@@ -2413,7 +2418,7 @@
           <a:p>
             <a:fld id="{0D157D38-51A7-4EB3-93C8-A3F33484E263}" type="datetimeFigureOut">
               <a:rPr lang="en-GB" smtClean="0"/>
-              <a:t>16/07/2018</a:t>
+              <a:t>27/07/2018</a:t>
             </a:fld>
             <a:endParaRPr lang="en-GB"/>
           </a:p>
@@ -2702,7 +2707,7 @@
           <a:p>
             <a:fld id="{0D157D38-51A7-4EB3-93C8-A3F33484E263}" type="datetimeFigureOut">
               <a:rPr lang="en-GB" smtClean="0"/>
-              <a:t>16/07/2018</a:t>
+              <a:t>27/07/2018</a:t>
             </a:fld>
             <a:endParaRPr lang="en-GB"/>
           </a:p>
@@ -2945,7 +2950,7 @@
           <a:p>
             <a:fld id="{0D157D38-51A7-4EB3-93C8-A3F33484E263}" type="datetimeFigureOut">
               <a:rPr lang="en-GB" smtClean="0"/>
-              <a:t>16/07/2018</a:t>
+              <a:t>27/07/2018</a:t>
             </a:fld>
             <a:endParaRPr lang="en-GB"/>
           </a:p>
@@ -3671,23 +3676,13 @@
           <a:p>
             <a:r>
               <a:rPr lang="hu-HU" dirty="0"/>
-              <a:t>Voters of smaller parties voted tactically in most cases (with the exception of Együtt voters </a:t>
-            </a:r>
-            <a:r>
-              <a:rPr lang="en-GB" dirty="0"/>
-              <a:t>– </a:t>
-            </a:r>
+              <a:t>Voters of smaller parties voted tactically in most cases </a:t>
+            </a:r>
+          </a:p>
+          <a:p>
             <a:r>
               <a:rPr lang="hu-HU" dirty="0"/>
-              <a:t>or Jobbik voters supported Együtt rather than the likely </a:t>
-            </a:r>
-            <a:r>
-              <a:rPr lang="en-GB" dirty="0"/>
-              <a:t>MSZP/DK </a:t>
-            </a:r>
-            <a:r>
-              <a:rPr lang="hu-HU" dirty="0"/>
-              <a:t>winner)</a:t>
+              <a:t>Tactical voting was more common in major cities than in smaller towns</a:t>
             </a:r>
           </a:p>
           <a:p>
@@ -3715,13 +3710,21 @@
           <a:p>
             <a:r>
               <a:rPr lang="hu-HU" dirty="0"/>
-              <a:t>More than 500,000 people voted tactically (which resulted in a net vote gain of 497,000 votes)</a:t>
-            </a:r>
-          </a:p>
-          <a:p>
+              <a:t>More than </a:t>
+            </a:r>
+            <a:r>
+              <a:rPr lang="en-GB" dirty="0"/>
+              <a:t>6</a:t>
+            </a:r>
             <a:r>
               <a:rPr lang="hu-HU" dirty="0"/>
-              <a:t>Tactical voting was strongest in Budapest</a:t>
+              <a:t>00,000 people voted tactically (which resulted in a net vote gain of 497,000 votes)</a:t>
+            </a:r>
+          </a:p>
+          <a:p>
+            <a:r>
+              <a:rPr lang="hu-HU" dirty="0"/>
+              <a:t>Tactical voting numbers were the highest in Budapest</a:t>
             </a:r>
             <a:r>
               <a:rPr lang="en-GB" dirty="0"/>
@@ -3731,6 +3734,11 @@
               <a:rPr lang="hu-HU" dirty="0"/>
               <a:t> and in some districts that could have been taken by Jobbik</a:t>
             </a:r>
+          </a:p>
+          <a:p>
+            <a:pPr marL="0" indent="0">
+              <a:buNone/>
+            </a:pPr>
             <a:endParaRPr lang="en-GB" dirty="0"/>
           </a:p>
         </p:txBody>
@@ -3855,6 +3863,64 @@
           <a:chExt cx="0" cy="0"/>
         </a:xfrm>
       </p:grpSpPr>
+      <p:pic>
+        <p:nvPicPr>
+          <p:cNvPr id="4" name="Picture 3">
+            <a:extLst>
+              <a:ext uri="{FF2B5EF4-FFF2-40B4-BE49-F238E27FC236}">
+                <a16:creationId xmlns:a16="http://schemas.microsoft.com/office/drawing/2014/main" id="{D321F1DE-9B18-4AE4-9923-E9F3EA455810}"/>
+              </a:ext>
+            </a:extLst>
+          </p:cNvPr>
+          <p:cNvPicPr/>
+          <p:nvPr/>
+        </p:nvPicPr>
+        <p:blipFill>
+          <a:blip r:embed="rId2"/>
+          <a:stretch>
+            <a:fillRect/>
+          </a:stretch>
+        </p:blipFill>
+        <p:spPr>
+          <a:xfrm>
+            <a:off x="852854" y="442912"/>
+            <a:ext cx="10486291" cy="5972175"/>
+          </a:xfrm>
+          <a:prstGeom prst="rect">
+            <a:avLst/>
+          </a:prstGeom>
+        </p:spPr>
+      </p:pic>
+    </p:spTree>
+    <p:extLst>
+      <p:ext uri="{BB962C8B-B14F-4D97-AF65-F5344CB8AC3E}">
+        <p14:creationId xmlns:p14="http://schemas.microsoft.com/office/powerpoint/2010/main" val="2865076130"/>
+      </p:ext>
+    </p:extLst>
+  </p:cSld>
+  <p:clrMapOvr>
+    <a:masterClrMapping/>
+  </p:clrMapOvr>
+</p:sld>
+</file>
+
+<file path=ppt/slides/slide15.xml><?xml version="1.0" encoding="utf-8"?>
+<p:sld xmlns:a="http://schemas.openxmlformats.org/drawingml/2006/main" xmlns:r="http://schemas.openxmlformats.org/officeDocument/2006/relationships" xmlns:p="http://schemas.openxmlformats.org/presentationml/2006/main">
+  <p:cSld>
+    <p:spTree>
+      <p:nvGrpSpPr>
+        <p:cNvPr id="1" name=""/>
+        <p:cNvGrpSpPr/>
+        <p:nvPr/>
+      </p:nvGrpSpPr>
+      <p:grpSpPr>
+        <a:xfrm>
+          <a:off x="0" y="0"/>
+          <a:ext cx="0" cy="0"/>
+          <a:chOff x="0" y="0"/>
+          <a:chExt cx="0" cy="0"/>
+        </a:xfrm>
+      </p:grpSpPr>
       <p:sp>
         <p:nvSpPr>
           <p:cNvPr id="2" name="Title 1">
@@ -3943,7 +4009,7 @@
 </p:sld>
 </file>
 
-<file path=ppt/slides/slide15.xml><?xml version="1.0" encoding="utf-8"?>
+<file path=ppt/slides/slide16.xml><?xml version="1.0" encoding="utf-8"?>
 <p:sld xmlns:a="http://schemas.openxmlformats.org/drawingml/2006/main" xmlns:r="http://schemas.openxmlformats.org/officeDocument/2006/relationships" xmlns:p="http://schemas.openxmlformats.org/presentationml/2006/main">
   <p:cSld>
     <p:spTree>
@@ -4033,7 +4099,7 @@
 </p:sld>
 </file>
 
-<file path=ppt/slides/slide16.xml><?xml version="1.0" encoding="utf-8"?>
+<file path=ppt/slides/slide17.xml><?xml version="1.0" encoding="utf-8"?>
 <p:sld xmlns:a="http://schemas.openxmlformats.org/drawingml/2006/main" xmlns:r="http://schemas.openxmlformats.org/officeDocument/2006/relationships" xmlns:p="http://schemas.openxmlformats.org/presentationml/2006/main">
   <p:cSld>
     <p:spTree>
@@ -4050,6 +4116,96 @@
           <a:chExt cx="0" cy="0"/>
         </a:xfrm>
       </p:grpSpPr>
+      <p:pic>
+        <p:nvPicPr>
+          <p:cNvPr id="4" name="Picture 3">
+            <a:extLst>
+              <a:ext uri="{FF2B5EF4-FFF2-40B4-BE49-F238E27FC236}">
+                <a16:creationId xmlns:a16="http://schemas.microsoft.com/office/drawing/2014/main" id="{EA4D91DA-4CFF-4243-B039-D2E9BB78358B}"/>
+              </a:ext>
+            </a:extLst>
+          </p:cNvPr>
+          <p:cNvPicPr>
+            <a:picLocks noChangeAspect="1"/>
+          </p:cNvPicPr>
+          <p:nvPr/>
+        </p:nvPicPr>
+        <p:blipFill>
+          <a:blip r:embed="rId2"/>
+          <a:stretch>
+            <a:fillRect/>
+          </a:stretch>
+        </p:blipFill>
+        <p:spPr>
+          <a:xfrm>
+            <a:off x="96715" y="411772"/>
+            <a:ext cx="5999285" cy="5999285"/>
+          </a:xfrm>
+          <a:prstGeom prst="rect">
+            <a:avLst/>
+          </a:prstGeom>
+        </p:spPr>
+      </p:pic>
+      <p:pic>
+        <p:nvPicPr>
+          <p:cNvPr id="5" name="Picture 4">
+            <a:extLst>
+              <a:ext uri="{FF2B5EF4-FFF2-40B4-BE49-F238E27FC236}">
+                <a16:creationId xmlns:a16="http://schemas.microsoft.com/office/drawing/2014/main" id="{320E5867-746E-4D47-B73F-E3163A3F38D2}"/>
+              </a:ext>
+            </a:extLst>
+          </p:cNvPr>
+          <p:cNvPicPr>
+            <a:picLocks noChangeAspect="1"/>
+          </p:cNvPicPr>
+          <p:nvPr/>
+        </p:nvPicPr>
+        <p:blipFill>
+          <a:blip r:embed="rId3"/>
+          <a:stretch>
+            <a:fillRect/>
+          </a:stretch>
+        </p:blipFill>
+        <p:spPr>
+          <a:xfrm>
+            <a:off x="6307016" y="789843"/>
+            <a:ext cx="5884984" cy="5884984"/>
+          </a:xfrm>
+          <a:prstGeom prst="rect">
+            <a:avLst/>
+          </a:prstGeom>
+        </p:spPr>
+      </p:pic>
+    </p:spTree>
+    <p:extLst>
+      <p:ext uri="{BB962C8B-B14F-4D97-AF65-F5344CB8AC3E}">
+        <p14:creationId xmlns:p14="http://schemas.microsoft.com/office/powerpoint/2010/main" val="1365082993"/>
+      </p:ext>
+    </p:extLst>
+  </p:cSld>
+  <p:clrMapOvr>
+    <a:masterClrMapping/>
+  </p:clrMapOvr>
+</p:sld>
+</file>
+
+<file path=ppt/slides/slide18.xml><?xml version="1.0" encoding="utf-8"?>
+<p:sld xmlns:a="http://schemas.openxmlformats.org/drawingml/2006/main" xmlns:r="http://schemas.openxmlformats.org/officeDocument/2006/relationships" xmlns:p="http://schemas.openxmlformats.org/presentationml/2006/main">
+  <p:cSld>
+    <p:spTree>
+      <p:nvGrpSpPr>
+        <p:cNvPr id="1" name=""/>
+        <p:cNvGrpSpPr/>
+        <p:nvPr/>
+      </p:nvGrpSpPr>
+      <p:grpSpPr>
+        <a:xfrm>
+          <a:off x="0" y="0"/>
+          <a:ext cx="0" cy="0"/>
+          <a:chOff x="0" y="0"/>
+          <a:chExt cx="0" cy="0"/>
+        </a:xfrm>
+      </p:grpSpPr>
       <p:sp>
         <p:nvSpPr>
           <p:cNvPr id="2" name="Title 1">
@@ -4072,8 +4228,20 @@
           <a:lstStyle/>
           <a:p>
             <a:r>
+              <a:rPr lang="en-GB" dirty="0"/>
+              <a:t>Post-election </a:t>
+            </a:r>
+            <a:r>
               <a:rPr lang="hu-HU" dirty="0"/>
-              <a:t>New prediction model (2014 vs 2018)</a:t>
+              <a:t>model</a:t>
+            </a:r>
+            <a:r>
+              <a:rPr lang="en-GB" dirty="0"/>
+              <a:t>s</a:t>
+            </a:r>
+            <a:r>
+              <a:rPr lang="hu-HU" dirty="0"/>
+              <a:t> (2014 vs 2018)</a:t>
             </a:r>
             <a:endParaRPr lang="en-GB" dirty="0"/>
           </a:p>
@@ -4097,13 +4265,82 @@
         </p:nvSpPr>
         <p:spPr/>
         <p:txBody>
-          <a:bodyPr/>
-          <a:lstStyle/>
-          <a:p>
+          <a:bodyPr>
+            <a:normAutofit fontScale="92500" lnSpcReduction="10000"/>
+          </a:bodyPr>
+          <a:lstStyle/>
+          <a:p>
+            <a:pPr marL="0" indent="0">
+              <a:buNone/>
+            </a:pPr>
+            <a:r>
+              <a:rPr lang="hu-HU" u="sng" dirty="0"/>
+              <a:t>Models</a:t>
+            </a:r>
+          </a:p>
+          <a:p>
+            <a:r>
+              <a:rPr lang="en-GB" dirty="0"/>
+              <a:t>GLM prediction using KSH (statistical office) data</a:t>
+            </a:r>
+          </a:p>
+          <a:p>
+            <a:r>
+              <a:rPr lang="en-GB" dirty="0"/>
+              <a:t>Simple UNS prediction</a:t>
+            </a:r>
+          </a:p>
+          <a:p>
+            <a:endParaRPr lang="en-GB" dirty="0"/>
+          </a:p>
+          <a:p>
+            <a:pPr marL="0" indent="0">
+              <a:buNone/>
+            </a:pPr>
+            <a:r>
+              <a:rPr lang="en-GB" u="sng" dirty="0"/>
+              <a:t>Results</a:t>
+            </a:r>
+            <a:endParaRPr lang="en-GB" dirty="0"/>
+          </a:p>
+          <a:p>
+            <a:r>
+              <a:rPr lang="en-GB" dirty="0" err="1"/>
+              <a:t>Fidesz</a:t>
+            </a:r>
+            <a:r>
+              <a:rPr lang="en-GB" dirty="0"/>
+              <a:t> took target </a:t>
+            </a:r>
+            <a:r>
+              <a:rPr lang="en-GB" dirty="0" err="1"/>
+              <a:t>Jobbik</a:t>
+            </a:r>
+            <a:r>
+              <a:rPr lang="en-GB" dirty="0"/>
+              <a:t> seats and some major cities (B</a:t>
+            </a:r>
             <a:r>
               <a:rPr lang="hu-HU" dirty="0"/>
-              <a:t>TBD using T-star data</a:t>
-            </a:r>
+              <a:t>ékéscsaba and Miskolc) exceeding expectations</a:t>
+            </a:r>
+          </a:p>
+          <a:p>
+            <a:r>
+              <a:rPr lang="hu-HU" dirty="0"/>
+              <a:t>Jobbik got extra votes through tactical voting, but it was not enough to win seats</a:t>
+            </a:r>
+          </a:p>
+          <a:p>
+            <a:r>
+              <a:rPr lang="hu-HU" dirty="0"/>
+              <a:t>MSZP/DK gained several seats in Budapest thanks to tactical voting</a:t>
+            </a:r>
+          </a:p>
+          <a:p>
+            <a:pPr marL="0" indent="0">
+              <a:buNone/>
+            </a:pPr>
             <a:endParaRPr lang="en-GB" dirty="0"/>
           </a:p>
         </p:txBody>
@@ -4112,6 +4349,96 @@
     <p:extLst>
       <p:ext uri="{BB962C8B-B14F-4D97-AF65-F5344CB8AC3E}">
         <p14:creationId xmlns:p14="http://schemas.microsoft.com/office/powerpoint/2010/main" val="2597723440"/>
+      </p:ext>
+    </p:extLst>
+  </p:cSld>
+  <p:clrMapOvr>
+    <a:masterClrMapping/>
+  </p:clrMapOvr>
+</p:sld>
+</file>
+
+<file path=ppt/slides/slide19.xml><?xml version="1.0" encoding="utf-8"?>
+<p:sld xmlns:a="http://schemas.openxmlformats.org/drawingml/2006/main" xmlns:r="http://schemas.openxmlformats.org/officeDocument/2006/relationships" xmlns:p="http://schemas.openxmlformats.org/presentationml/2006/main">
+  <p:cSld>
+    <p:spTree>
+      <p:nvGrpSpPr>
+        <p:cNvPr id="1" name=""/>
+        <p:cNvGrpSpPr/>
+        <p:nvPr/>
+      </p:nvGrpSpPr>
+      <p:grpSpPr>
+        <a:xfrm>
+          <a:off x="0" y="0"/>
+          <a:ext cx="0" cy="0"/>
+          <a:chOff x="0" y="0"/>
+          <a:chExt cx="0" cy="0"/>
+        </a:xfrm>
+      </p:grpSpPr>
+      <p:pic>
+        <p:nvPicPr>
+          <p:cNvPr id="6" name="Picture 5">
+            <a:extLst>
+              <a:ext uri="{FF2B5EF4-FFF2-40B4-BE49-F238E27FC236}">
+                <a16:creationId xmlns:a16="http://schemas.microsoft.com/office/drawing/2014/main" id="{AEEA6239-FF08-4EE8-8B40-05CA40464979}"/>
+              </a:ext>
+            </a:extLst>
+          </p:cNvPr>
+          <p:cNvPicPr>
+            <a:picLocks noChangeAspect="1"/>
+          </p:cNvPicPr>
+          <p:nvPr/>
+        </p:nvPicPr>
+        <p:blipFill>
+          <a:blip r:embed="rId2"/>
+          <a:stretch>
+            <a:fillRect/>
+          </a:stretch>
+        </p:blipFill>
+        <p:spPr>
+          <a:xfrm>
+            <a:off x="-8062" y="361950"/>
+            <a:ext cx="6134100" cy="6134100"/>
+          </a:xfrm>
+          <a:prstGeom prst="rect">
+            <a:avLst/>
+          </a:prstGeom>
+        </p:spPr>
+      </p:pic>
+      <p:pic>
+        <p:nvPicPr>
+          <p:cNvPr id="7" name="Picture 6">
+            <a:extLst>
+              <a:ext uri="{FF2B5EF4-FFF2-40B4-BE49-F238E27FC236}">
+                <a16:creationId xmlns:a16="http://schemas.microsoft.com/office/drawing/2014/main" id="{E6A8E1B8-A815-4422-A0A1-F3FCEF1494E3}"/>
+              </a:ext>
+            </a:extLst>
+          </p:cNvPr>
+          <p:cNvPicPr>
+            <a:picLocks noChangeAspect="1"/>
+          </p:cNvPicPr>
+          <p:nvPr/>
+        </p:nvPicPr>
+        <p:blipFill>
+          <a:blip r:embed="rId3"/>
+          <a:stretch>
+            <a:fillRect/>
+          </a:stretch>
+        </p:blipFill>
+        <p:spPr>
+          <a:xfrm>
+            <a:off x="5984631" y="361950"/>
+            <a:ext cx="6207369" cy="6207369"/>
+          </a:xfrm>
+          <a:prstGeom prst="rect">
+            <a:avLst/>
+          </a:prstGeom>
+        </p:spPr>
+      </p:pic>
+    </p:spTree>
+    <p:extLst>
+      <p:ext uri="{BB962C8B-B14F-4D97-AF65-F5344CB8AC3E}">
+        <p14:creationId xmlns:p14="http://schemas.microsoft.com/office/powerpoint/2010/main" val="3355094084"/>
       </p:ext>
     </p:extLst>
   </p:cSld>
@@ -4259,6 +4586,159 @@
 </p:sld>
 </file>
 
+<file path=ppt/slides/slide20.xml><?xml version="1.0" encoding="utf-8"?>
+<p:sld xmlns:a="http://schemas.openxmlformats.org/drawingml/2006/main" xmlns:r="http://schemas.openxmlformats.org/officeDocument/2006/relationships" xmlns:p="http://schemas.openxmlformats.org/presentationml/2006/main">
+  <p:cSld>
+    <p:spTree>
+      <p:nvGrpSpPr>
+        <p:cNvPr id="1" name=""/>
+        <p:cNvGrpSpPr/>
+        <p:nvPr/>
+      </p:nvGrpSpPr>
+      <p:grpSpPr>
+        <a:xfrm>
+          <a:off x="0" y="0"/>
+          <a:ext cx="0" cy="0"/>
+          <a:chOff x="0" y="0"/>
+          <a:chExt cx="0" cy="0"/>
+        </a:xfrm>
+      </p:grpSpPr>
+      <p:pic>
+        <p:nvPicPr>
+          <p:cNvPr id="4" name="Picture 3">
+            <a:extLst>
+              <a:ext uri="{FF2B5EF4-FFF2-40B4-BE49-F238E27FC236}">
+                <a16:creationId xmlns:a16="http://schemas.microsoft.com/office/drawing/2014/main" id="{657E5A5C-1713-4AFF-8079-0F19A48EA78D}"/>
+              </a:ext>
+            </a:extLst>
+          </p:cNvPr>
+          <p:cNvPicPr>
+            <a:picLocks noChangeAspect="1"/>
+          </p:cNvPicPr>
+          <p:nvPr/>
+        </p:nvPicPr>
+        <p:blipFill>
+          <a:blip r:embed="rId2"/>
+          <a:stretch>
+            <a:fillRect/>
+          </a:stretch>
+        </p:blipFill>
+        <p:spPr>
+          <a:xfrm>
+            <a:off x="3043237" y="376237"/>
+            <a:ext cx="6105525" cy="6105525"/>
+          </a:xfrm>
+          <a:prstGeom prst="rect">
+            <a:avLst/>
+          </a:prstGeom>
+        </p:spPr>
+      </p:pic>
+    </p:spTree>
+    <p:extLst>
+      <p:ext uri="{BB962C8B-B14F-4D97-AF65-F5344CB8AC3E}">
+        <p14:creationId xmlns:p14="http://schemas.microsoft.com/office/powerpoint/2010/main" val="739724244"/>
+      </p:ext>
+    </p:extLst>
+  </p:cSld>
+  <p:clrMapOvr>
+    <a:masterClrMapping/>
+  </p:clrMapOvr>
+</p:sld>
+</file>
+
+<file path=ppt/slides/slide21.xml><?xml version="1.0" encoding="utf-8"?>
+<p:sld xmlns:a="http://schemas.openxmlformats.org/drawingml/2006/main" xmlns:r="http://schemas.openxmlformats.org/officeDocument/2006/relationships" xmlns:p="http://schemas.openxmlformats.org/presentationml/2006/main">
+  <p:cSld>
+    <p:spTree>
+      <p:nvGrpSpPr>
+        <p:cNvPr id="1" name=""/>
+        <p:cNvGrpSpPr/>
+        <p:nvPr/>
+      </p:nvGrpSpPr>
+      <p:grpSpPr>
+        <a:xfrm>
+          <a:off x="0" y="0"/>
+          <a:ext cx="0" cy="0"/>
+          <a:chOff x="0" y="0"/>
+          <a:chExt cx="0" cy="0"/>
+        </a:xfrm>
+      </p:grpSpPr>
+      <p:sp>
+        <p:nvSpPr>
+          <p:cNvPr id="2" name="Title 1">
+            <a:extLst>
+              <a:ext uri="{FF2B5EF4-FFF2-40B4-BE49-F238E27FC236}">
+                <a16:creationId xmlns:a16="http://schemas.microsoft.com/office/drawing/2014/main" id="{D4795118-6794-4ADD-AEBD-A0BEB8A86B3A}"/>
+              </a:ext>
+            </a:extLst>
+          </p:cNvPr>
+          <p:cNvSpPr>
+            <a:spLocks noGrp="1"/>
+          </p:cNvSpPr>
+          <p:nvPr>
+            <p:ph type="title"/>
+          </p:nvPr>
+        </p:nvSpPr>
+        <p:spPr/>
+        <p:txBody>
+          <a:bodyPr/>
+          <a:lstStyle/>
+          <a:p>
+            <a:r>
+              <a:rPr lang="hu-HU" dirty="0"/>
+              <a:t>Further research potential</a:t>
+            </a:r>
+            <a:endParaRPr lang="en-GB" dirty="0"/>
+          </a:p>
+        </p:txBody>
+      </p:sp>
+      <p:sp>
+        <p:nvSpPr>
+          <p:cNvPr id="3" name="Content Placeholder 2">
+            <a:extLst>
+              <a:ext uri="{FF2B5EF4-FFF2-40B4-BE49-F238E27FC236}">
+                <a16:creationId xmlns:a16="http://schemas.microsoft.com/office/drawing/2014/main" id="{155EBA17-D374-419A-B98B-E03970454842}"/>
+              </a:ext>
+            </a:extLst>
+          </p:cNvPr>
+          <p:cNvSpPr>
+            <a:spLocks noGrp="1"/>
+          </p:cNvSpPr>
+          <p:nvPr>
+            <p:ph idx="1"/>
+          </p:nvPr>
+        </p:nvSpPr>
+        <p:spPr/>
+        <p:txBody>
+          <a:bodyPr/>
+          <a:lstStyle/>
+          <a:p>
+            <a:r>
+              <a:rPr lang="hu-HU" dirty="0"/>
+              <a:t>Investigate electoral fraud cases</a:t>
+            </a:r>
+          </a:p>
+          <a:p>
+            <a:r>
+              <a:rPr lang="hu-HU" dirty="0"/>
+              <a:t>Improve the logistic model to understand more about voter types</a:t>
+            </a:r>
+          </a:p>
+        </p:txBody>
+      </p:sp>
+    </p:spTree>
+    <p:extLst>
+      <p:ext uri="{BB962C8B-B14F-4D97-AF65-F5344CB8AC3E}">
+        <p14:creationId xmlns:p14="http://schemas.microsoft.com/office/powerpoint/2010/main" val="2964276793"/>
+      </p:ext>
+    </p:extLst>
+  </p:cSld>
+  <p:clrMapOvr>
+    <a:masterClrMapping/>
+  </p:clrMapOvr>
+</p:sld>
+</file>
+
 <file path=ppt/slides/slide3.xml><?xml version="1.0" encoding="utf-8"?>
 <p:sld xmlns:a="http://schemas.openxmlformats.org/drawingml/2006/main" xmlns:r="http://schemas.openxmlformats.org/officeDocument/2006/relationships" xmlns:p="http://schemas.openxmlformats.org/presentationml/2006/main">
   <p:cSld>
@@ -4683,314 +5163,1003 @@
           </a:p>
         </p:txBody>
       </p:sp>
-      <p:sp>
-        <p:nvSpPr>
-          <p:cNvPr id="3" name="Content Placeholder 2">
-            <a:extLst>
-              <a:ext uri="{FF2B5EF4-FFF2-40B4-BE49-F238E27FC236}">
-                <a16:creationId xmlns:a16="http://schemas.microsoft.com/office/drawing/2014/main" id="{1AC83E56-0674-4B5F-A4EB-0ABA74516ED3}"/>
-              </a:ext>
-            </a:extLst>
-          </p:cNvPr>
-          <p:cNvSpPr>
-            <a:spLocks noGrp="1"/>
-          </p:cNvSpPr>
-          <p:nvPr>
-            <p:ph sz="half" idx="1"/>
-          </p:nvPr>
-        </p:nvSpPr>
-        <p:spPr/>
-        <p:txBody>
-          <a:bodyPr>
-            <a:normAutofit fontScale="92500" lnSpcReduction="20000"/>
-          </a:bodyPr>
-          <a:lstStyle/>
-          <a:p>
-            <a:pPr marL="0" indent="0">
-              <a:buNone/>
-            </a:pPr>
-            <a:r>
-              <a:rPr lang="hu-HU" dirty="0"/>
-              <a:t>Party list vote shares and deviation compared to final predictions</a:t>
-            </a:r>
-          </a:p>
-          <a:p>
-            <a:r>
-              <a:rPr lang="en-GB" dirty="0" err="1"/>
-              <a:t>Fidesz</a:t>
-            </a:r>
-            <a:r>
-              <a:rPr lang="en-GB" dirty="0"/>
-              <a:t>: 4</a:t>
-            </a:r>
-            <a:r>
-              <a:rPr lang="hu-HU" dirty="0"/>
-              <a:t>7.5</a:t>
-            </a:r>
-            <a:r>
-              <a:rPr lang="en-GB" dirty="0"/>
-              <a:t>% (</a:t>
-            </a:r>
-            <a:r>
-              <a:rPr lang="hu-HU" dirty="0"/>
-              <a:t>+6.5</a:t>
-            </a:r>
-            <a:r>
-              <a:rPr lang="en-GB" dirty="0"/>
-              <a:t>%)</a:t>
-            </a:r>
-          </a:p>
-          <a:p>
-            <a:r>
-              <a:rPr lang="en-GB" dirty="0" err="1"/>
-              <a:t>Jobbik</a:t>
-            </a:r>
-            <a:r>
-              <a:rPr lang="en-GB" dirty="0"/>
-              <a:t>: </a:t>
-            </a:r>
-            <a:r>
-              <a:rPr lang="hu-HU" dirty="0"/>
-              <a:t>20</a:t>
-            </a:r>
-            <a:r>
-              <a:rPr lang="en-GB" dirty="0"/>
-              <a:t>% (</a:t>
-            </a:r>
-            <a:r>
-              <a:rPr lang="hu-HU" dirty="0"/>
-              <a:t>-4</a:t>
-            </a:r>
-            <a:r>
-              <a:rPr lang="en-GB" dirty="0"/>
-              <a:t>%)</a:t>
-            </a:r>
-          </a:p>
-          <a:p>
-            <a:r>
-              <a:rPr lang="en-GB" dirty="0"/>
-              <a:t>MSZP-P: 12.5% (</a:t>
-            </a:r>
-            <a:r>
-              <a:rPr lang="hu-HU" dirty="0"/>
-              <a:t>-1</a:t>
-            </a:r>
-            <a:r>
-              <a:rPr lang="en-GB" dirty="0"/>
-              <a:t>%)</a:t>
-            </a:r>
-          </a:p>
-          <a:p>
-            <a:r>
-              <a:rPr lang="en-GB" dirty="0"/>
-              <a:t>LMP: </a:t>
-            </a:r>
-            <a:r>
-              <a:rPr lang="hu-HU" dirty="0"/>
-              <a:t>7.5</a:t>
-            </a:r>
-            <a:r>
-              <a:rPr lang="en-GB" dirty="0"/>
-              <a:t>% (</a:t>
-            </a:r>
-            <a:r>
-              <a:rPr lang="hu-HU" dirty="0"/>
-              <a:t>-0.5</a:t>
-            </a:r>
-            <a:r>
-              <a:rPr lang="en-GB" dirty="0"/>
-              <a:t>%)</a:t>
-            </a:r>
-          </a:p>
-          <a:p>
-            <a:r>
-              <a:rPr lang="en-GB" dirty="0"/>
-              <a:t>DK: </a:t>
-            </a:r>
-            <a:r>
-              <a:rPr lang="hu-HU" dirty="0"/>
-              <a:t>5</a:t>
-            </a:r>
-            <a:r>
-              <a:rPr lang="en-GB" dirty="0"/>
-              <a:t>.5% (</a:t>
-            </a:r>
-            <a:r>
-              <a:rPr lang="hu-HU" dirty="0"/>
-              <a:t>-</a:t>
-            </a:r>
-            <a:r>
-              <a:rPr lang="en-GB" dirty="0"/>
-              <a:t>2%)</a:t>
-            </a:r>
-          </a:p>
-          <a:p>
-            <a:r>
-              <a:rPr lang="en-GB" dirty="0"/>
-              <a:t>Momentum: 3% (0%)</a:t>
-            </a:r>
-          </a:p>
-          <a:p>
-            <a:r>
-              <a:rPr lang="en-GB" dirty="0" err="1"/>
-              <a:t>Együtt</a:t>
-            </a:r>
-            <a:r>
-              <a:rPr lang="en-GB" dirty="0"/>
-              <a:t>: </a:t>
-            </a:r>
-            <a:r>
-              <a:rPr lang="hu-HU" dirty="0"/>
-              <a:t>0.7</a:t>
-            </a:r>
-            <a:r>
-              <a:rPr lang="en-GB" dirty="0"/>
-              <a:t>% (</a:t>
-            </a:r>
-            <a:r>
-              <a:rPr lang="hu-HU" dirty="0"/>
-              <a:t>-</a:t>
-            </a:r>
-            <a:r>
-              <a:rPr lang="en-GB" dirty="0"/>
-              <a:t>1</a:t>
-            </a:r>
-            <a:r>
-              <a:rPr lang="hu-HU" dirty="0"/>
-              <a:t>.3</a:t>
-            </a:r>
-            <a:r>
-              <a:rPr lang="en-GB" dirty="0"/>
-              <a:t>%)</a:t>
-            </a:r>
-          </a:p>
-          <a:p>
-            <a:r>
-              <a:rPr lang="en-GB" dirty="0"/>
-              <a:t>MKKP: </a:t>
-            </a:r>
-            <a:r>
-              <a:rPr lang="hu-HU" dirty="0"/>
-              <a:t>1.8</a:t>
-            </a:r>
-            <a:r>
-              <a:rPr lang="en-GB" dirty="0"/>
-              <a:t>% (</a:t>
-            </a:r>
-            <a:r>
-              <a:rPr lang="hu-HU" dirty="0"/>
-              <a:t>+0.8%</a:t>
-            </a:r>
-            <a:r>
-              <a:rPr lang="en-GB" dirty="0"/>
-              <a:t>)</a:t>
-            </a:r>
-            <a:endParaRPr lang="hu-HU" dirty="0"/>
-          </a:p>
-          <a:p>
-            <a:r>
-              <a:rPr lang="hu-HU" dirty="0"/>
-              <a:t>Other: 1.5%</a:t>
-            </a:r>
-          </a:p>
-        </p:txBody>
-      </p:sp>
-      <p:sp>
-        <p:nvSpPr>
-          <p:cNvPr id="4" name="Content Placeholder 3">
-            <a:extLst>
-              <a:ext uri="{FF2B5EF4-FFF2-40B4-BE49-F238E27FC236}">
-                <a16:creationId xmlns:a16="http://schemas.microsoft.com/office/drawing/2014/main" id="{B80BB309-4FAE-4145-A4C9-2940D3D30D8E}"/>
-              </a:ext>
-            </a:extLst>
-          </p:cNvPr>
-          <p:cNvSpPr>
-            <a:spLocks noGrp="1"/>
-          </p:cNvSpPr>
-          <p:nvPr>
-            <p:ph sz="half" idx="2"/>
-          </p:nvPr>
-        </p:nvSpPr>
-        <p:spPr/>
-        <p:txBody>
-          <a:bodyPr>
-            <a:normAutofit fontScale="92500" lnSpcReduction="20000"/>
-          </a:bodyPr>
-          <a:lstStyle/>
-          <a:p>
-            <a:pPr marL="0" indent="0">
-              <a:buNone/>
-            </a:pPr>
-            <a:r>
-              <a:rPr lang="hu-HU" dirty="0"/>
-              <a:t>Seat predictions and differences</a:t>
-            </a:r>
-          </a:p>
-          <a:p>
-            <a:pPr marL="0" indent="0">
-              <a:buNone/>
-            </a:pPr>
-            <a:r>
-              <a:rPr lang="hu-HU" dirty="0"/>
-              <a:t>Fidesz: 133 (+30)</a:t>
-            </a:r>
-          </a:p>
-          <a:p>
-            <a:pPr marL="0" indent="0">
-              <a:buNone/>
-            </a:pPr>
-            <a:r>
-              <a:rPr lang="hu-HU" dirty="0"/>
-              <a:t>Jobbik: 42 (-16)</a:t>
-            </a:r>
-          </a:p>
-          <a:p>
-            <a:pPr marL="0" indent="0">
-              <a:buNone/>
-            </a:pPr>
-            <a:r>
-              <a:rPr lang="hu-HU" dirty="0"/>
-              <a:t>MSZP-P: 27 (-7)</a:t>
-            </a:r>
-          </a:p>
-          <a:p>
-            <a:pPr marL="0" indent="0">
-              <a:buNone/>
-            </a:pPr>
-            <a:r>
-              <a:rPr lang="hu-HU" dirty="0"/>
-              <a:t>LMP: 8 (0)</a:t>
-            </a:r>
-          </a:p>
-          <a:p>
-            <a:pPr marL="0" indent="0">
-              <a:buNone/>
-            </a:pPr>
-            <a:r>
-              <a:rPr lang="hu-HU" dirty="0"/>
-              <a:t>DK: 15 (-6)</a:t>
-            </a:r>
-          </a:p>
-          <a:p>
-            <a:pPr marL="0" indent="0">
-              <a:buNone/>
-            </a:pPr>
-            <a:r>
-              <a:rPr lang="hu-HU" dirty="0"/>
-              <a:t>Együtt: 2 (-1)</a:t>
-            </a:r>
-          </a:p>
-          <a:p>
-            <a:pPr marL="0" indent="0">
-              <a:buNone/>
-            </a:pPr>
-            <a:r>
-              <a:rPr lang="hu-HU" dirty="0"/>
-              <a:t>Others: 2 (0)</a:t>
-            </a:r>
-          </a:p>
-        </p:txBody>
-      </p:sp>
+      <p:graphicFrame>
+        <p:nvGraphicFramePr>
+          <p:cNvPr id="5" name="Table 4">
+            <a:extLst>
+              <a:ext uri="{FF2B5EF4-FFF2-40B4-BE49-F238E27FC236}">
+                <a16:creationId xmlns:a16="http://schemas.microsoft.com/office/drawing/2014/main" id="{98B4FD6F-D0C1-488A-AB11-C90B0AA1FFC0}"/>
+              </a:ext>
+            </a:extLst>
+          </p:cNvPr>
+          <p:cNvGraphicFramePr>
+            <a:graphicFrameLocks noGrp="1"/>
+          </p:cNvGraphicFramePr>
+          <p:nvPr>
+            <p:extLst>
+              <p:ext uri="{D42A27DB-BD31-4B8C-83A1-F6EECF244321}">
+                <p14:modId xmlns:p14="http://schemas.microsoft.com/office/powerpoint/2010/main" val="1234213362"/>
+              </p:ext>
+            </p:extLst>
+          </p:nvPr>
+        </p:nvGraphicFramePr>
+        <p:xfrm>
+          <a:off x="1993313" y="1702045"/>
+          <a:ext cx="8205373" cy="4270500"/>
+        </p:xfrm>
+        <a:graphic>
+          <a:graphicData uri="http://schemas.openxmlformats.org/drawingml/2006/table">
+            <a:tbl>
+              <a:tblPr firstRow="1" firstCol="1" bandRow="1">
+                <a:tableStyleId>{5C22544A-7EE6-4342-B048-85BDC9FD1C3A}</a:tableStyleId>
+              </a:tblPr>
+              <a:tblGrid>
+                <a:gridCol w="2734821">
+                  <a:extLst>
+                    <a:ext uri="{9D8B030D-6E8A-4147-A177-3AD203B41FA5}">
+                      <a16:colId xmlns:a16="http://schemas.microsoft.com/office/drawing/2014/main" val="4119440936"/>
+                    </a:ext>
+                  </a:extLst>
+                </a:gridCol>
+                <a:gridCol w="2734821">
+                  <a:extLst>
+                    <a:ext uri="{9D8B030D-6E8A-4147-A177-3AD203B41FA5}">
+                      <a16:colId xmlns:a16="http://schemas.microsoft.com/office/drawing/2014/main" val="1183412830"/>
+                    </a:ext>
+                  </a:extLst>
+                </a:gridCol>
+                <a:gridCol w="2735731">
+                  <a:extLst>
+                    <a:ext uri="{9D8B030D-6E8A-4147-A177-3AD203B41FA5}">
+                      <a16:colId xmlns:a16="http://schemas.microsoft.com/office/drawing/2014/main" val="4251581880"/>
+                    </a:ext>
+                  </a:extLst>
+                </a:gridCol>
+              </a:tblGrid>
+              <a:tr h="427050">
+                <a:tc>
+                  <a:txBody>
+                    <a:bodyPr/>
+                    <a:lstStyle/>
+                    <a:p>
+                      <a:pPr>
+                        <a:lnSpc>
+                          <a:spcPct val="150000"/>
+                        </a:lnSpc>
+                        <a:spcAft>
+                          <a:spcPts val="0"/>
+                        </a:spcAft>
+                      </a:pPr>
+                      <a:r>
+                        <a:rPr lang="en-US" sz="1200">
+                          <a:effectLst/>
+                        </a:rPr>
+                        <a:t>Party</a:t>
+                      </a:r>
+                      <a:endParaRPr lang="en-GB" sz="1100">
+                        <a:effectLst/>
+                        <a:latin typeface="Calibri" panose="020F0502020204030204" pitchFamily="34" charset="0"/>
+                        <a:ea typeface="DengXian" panose="02010600030101010101" pitchFamily="2" charset="-122"/>
+                        <a:cs typeface="Times New Roman" panose="02020603050405020304" pitchFamily="18" charset="0"/>
+                      </a:endParaRPr>
+                    </a:p>
+                  </a:txBody>
+                  <a:tcPr marL="68580" marR="68580" marT="0" marB="0"/>
+                </a:tc>
+                <a:tc>
+                  <a:txBody>
+                    <a:bodyPr/>
+                    <a:lstStyle/>
+                    <a:p>
+                      <a:pPr>
+                        <a:lnSpc>
+                          <a:spcPct val="150000"/>
+                        </a:lnSpc>
+                        <a:spcAft>
+                          <a:spcPts val="0"/>
+                        </a:spcAft>
+                      </a:pPr>
+                      <a:r>
+                        <a:rPr lang="en-US" sz="1200">
+                          <a:effectLst/>
+                        </a:rPr>
+                        <a:t>Vote share %</a:t>
+                      </a:r>
+                      <a:endParaRPr lang="en-GB" sz="1100">
+                        <a:effectLst/>
+                        <a:latin typeface="Calibri" panose="020F0502020204030204" pitchFamily="34" charset="0"/>
+                        <a:ea typeface="DengXian" panose="02010600030101010101" pitchFamily="2" charset="-122"/>
+                        <a:cs typeface="Times New Roman" panose="02020603050405020304" pitchFamily="18" charset="0"/>
+                      </a:endParaRPr>
+                    </a:p>
+                  </a:txBody>
+                  <a:tcPr marL="68580" marR="68580" marT="0" marB="0"/>
+                </a:tc>
+                <a:tc>
+                  <a:txBody>
+                    <a:bodyPr/>
+                    <a:lstStyle/>
+                    <a:p>
+                      <a:pPr>
+                        <a:lnSpc>
+                          <a:spcPct val="150000"/>
+                        </a:lnSpc>
+                        <a:spcAft>
+                          <a:spcPts val="0"/>
+                        </a:spcAft>
+                      </a:pPr>
+                      <a:r>
+                        <a:rPr lang="en-US" sz="1200">
+                          <a:effectLst/>
+                        </a:rPr>
+                        <a:t>Deviation from prediction</a:t>
+                      </a:r>
+                      <a:endParaRPr lang="en-GB" sz="1100">
+                        <a:effectLst/>
+                        <a:latin typeface="Calibri" panose="020F0502020204030204" pitchFamily="34" charset="0"/>
+                        <a:ea typeface="DengXian" panose="02010600030101010101" pitchFamily="2" charset="-122"/>
+                        <a:cs typeface="Times New Roman" panose="02020603050405020304" pitchFamily="18" charset="0"/>
+                      </a:endParaRPr>
+                    </a:p>
+                  </a:txBody>
+                  <a:tcPr marL="68580" marR="68580" marT="0" marB="0"/>
+                </a:tc>
+                <a:extLst>
+                  <a:ext uri="{0D108BD9-81ED-4DB2-BD59-A6C34878D82A}">
+                    <a16:rowId xmlns:a16="http://schemas.microsoft.com/office/drawing/2014/main" val="4226606339"/>
+                  </a:ext>
+                </a:extLst>
+              </a:tr>
+              <a:tr h="427050">
+                <a:tc>
+                  <a:txBody>
+                    <a:bodyPr/>
+                    <a:lstStyle/>
+                    <a:p>
+                      <a:pPr>
+                        <a:lnSpc>
+                          <a:spcPct val="150000"/>
+                        </a:lnSpc>
+                        <a:spcAft>
+                          <a:spcPts val="0"/>
+                        </a:spcAft>
+                      </a:pPr>
+                      <a:r>
+                        <a:rPr lang="en-US" sz="1200">
+                          <a:effectLst/>
+                        </a:rPr>
+                        <a:t>Fidesz</a:t>
+                      </a:r>
+                      <a:endParaRPr lang="en-GB" sz="1100">
+                        <a:effectLst/>
+                        <a:latin typeface="Calibri" panose="020F0502020204030204" pitchFamily="34" charset="0"/>
+                        <a:ea typeface="DengXian" panose="02010600030101010101" pitchFamily="2" charset="-122"/>
+                        <a:cs typeface="Times New Roman" panose="02020603050405020304" pitchFamily="18" charset="0"/>
+                      </a:endParaRPr>
+                    </a:p>
+                  </a:txBody>
+                  <a:tcPr marL="68580" marR="68580" marT="0" marB="0"/>
+                </a:tc>
+                <a:tc>
+                  <a:txBody>
+                    <a:bodyPr/>
+                    <a:lstStyle/>
+                    <a:p>
+                      <a:pPr>
+                        <a:lnSpc>
+                          <a:spcPct val="150000"/>
+                        </a:lnSpc>
+                        <a:spcAft>
+                          <a:spcPts val="0"/>
+                        </a:spcAft>
+                      </a:pPr>
+                      <a:r>
+                        <a:rPr lang="en-US" sz="1200">
+                          <a:effectLst/>
+                        </a:rPr>
+                        <a:t>47.71%</a:t>
+                      </a:r>
+                      <a:endParaRPr lang="en-GB" sz="1100">
+                        <a:effectLst/>
+                        <a:latin typeface="Calibri" panose="020F0502020204030204" pitchFamily="34" charset="0"/>
+                        <a:ea typeface="DengXian" panose="02010600030101010101" pitchFamily="2" charset="-122"/>
+                        <a:cs typeface="Times New Roman" panose="02020603050405020304" pitchFamily="18" charset="0"/>
+                      </a:endParaRPr>
+                    </a:p>
+                  </a:txBody>
+                  <a:tcPr marL="68580" marR="68580" marT="0" marB="0"/>
+                </a:tc>
+                <a:tc>
+                  <a:txBody>
+                    <a:bodyPr/>
+                    <a:lstStyle/>
+                    <a:p>
+                      <a:pPr>
+                        <a:lnSpc>
+                          <a:spcPct val="150000"/>
+                        </a:lnSpc>
+                        <a:spcAft>
+                          <a:spcPts val="0"/>
+                        </a:spcAft>
+                      </a:pPr>
+                      <a:r>
+                        <a:rPr lang="en-US" sz="1200">
+                          <a:effectLst/>
+                        </a:rPr>
+                        <a:t>+5.71%</a:t>
+                      </a:r>
+                      <a:endParaRPr lang="en-GB" sz="1100">
+                        <a:effectLst/>
+                        <a:latin typeface="Calibri" panose="020F0502020204030204" pitchFamily="34" charset="0"/>
+                        <a:ea typeface="DengXian" panose="02010600030101010101" pitchFamily="2" charset="-122"/>
+                        <a:cs typeface="Times New Roman" panose="02020603050405020304" pitchFamily="18" charset="0"/>
+                      </a:endParaRPr>
+                    </a:p>
+                  </a:txBody>
+                  <a:tcPr marL="68580" marR="68580" marT="0" marB="0"/>
+                </a:tc>
+                <a:extLst>
+                  <a:ext uri="{0D108BD9-81ED-4DB2-BD59-A6C34878D82A}">
+                    <a16:rowId xmlns:a16="http://schemas.microsoft.com/office/drawing/2014/main" val="3131941821"/>
+                  </a:ext>
+                </a:extLst>
+              </a:tr>
+              <a:tr h="427050">
+                <a:tc>
+                  <a:txBody>
+                    <a:bodyPr/>
+                    <a:lstStyle/>
+                    <a:p>
+                      <a:pPr>
+                        <a:lnSpc>
+                          <a:spcPct val="150000"/>
+                        </a:lnSpc>
+                        <a:spcAft>
+                          <a:spcPts val="0"/>
+                        </a:spcAft>
+                      </a:pPr>
+                      <a:r>
+                        <a:rPr lang="en-US" sz="1200">
+                          <a:effectLst/>
+                        </a:rPr>
+                        <a:t>Jobbik</a:t>
+                      </a:r>
+                      <a:endParaRPr lang="en-GB" sz="1100">
+                        <a:effectLst/>
+                        <a:latin typeface="Calibri" panose="020F0502020204030204" pitchFamily="34" charset="0"/>
+                        <a:ea typeface="DengXian" panose="02010600030101010101" pitchFamily="2" charset="-122"/>
+                        <a:cs typeface="Times New Roman" panose="02020603050405020304" pitchFamily="18" charset="0"/>
+                      </a:endParaRPr>
+                    </a:p>
+                  </a:txBody>
+                  <a:tcPr marL="68580" marR="68580" marT="0" marB="0"/>
+                </a:tc>
+                <a:tc>
+                  <a:txBody>
+                    <a:bodyPr/>
+                    <a:lstStyle/>
+                    <a:p>
+                      <a:pPr>
+                        <a:lnSpc>
+                          <a:spcPct val="150000"/>
+                        </a:lnSpc>
+                        <a:spcAft>
+                          <a:spcPts val="0"/>
+                        </a:spcAft>
+                      </a:pPr>
+                      <a:r>
+                        <a:rPr lang="en-US" sz="1200">
+                          <a:effectLst/>
+                        </a:rPr>
+                        <a:t>19.95%</a:t>
+                      </a:r>
+                      <a:endParaRPr lang="en-GB" sz="1100">
+                        <a:effectLst/>
+                        <a:latin typeface="Calibri" panose="020F0502020204030204" pitchFamily="34" charset="0"/>
+                        <a:ea typeface="DengXian" panose="02010600030101010101" pitchFamily="2" charset="-122"/>
+                        <a:cs typeface="Times New Roman" panose="02020603050405020304" pitchFamily="18" charset="0"/>
+                      </a:endParaRPr>
+                    </a:p>
+                  </a:txBody>
+                  <a:tcPr marL="68580" marR="68580" marT="0" marB="0"/>
+                </a:tc>
+                <a:tc>
+                  <a:txBody>
+                    <a:bodyPr/>
+                    <a:lstStyle/>
+                    <a:p>
+                      <a:pPr>
+                        <a:lnSpc>
+                          <a:spcPct val="150000"/>
+                        </a:lnSpc>
+                        <a:spcAft>
+                          <a:spcPts val="0"/>
+                        </a:spcAft>
+                      </a:pPr>
+                      <a:r>
+                        <a:rPr lang="en-US" sz="1200">
+                          <a:effectLst/>
+                        </a:rPr>
+                        <a:t>-2.05%</a:t>
+                      </a:r>
+                      <a:endParaRPr lang="en-GB" sz="1100">
+                        <a:effectLst/>
+                        <a:latin typeface="Calibri" panose="020F0502020204030204" pitchFamily="34" charset="0"/>
+                        <a:ea typeface="DengXian" panose="02010600030101010101" pitchFamily="2" charset="-122"/>
+                        <a:cs typeface="Times New Roman" panose="02020603050405020304" pitchFamily="18" charset="0"/>
+                      </a:endParaRPr>
+                    </a:p>
+                  </a:txBody>
+                  <a:tcPr marL="68580" marR="68580" marT="0" marB="0"/>
+                </a:tc>
+                <a:extLst>
+                  <a:ext uri="{0D108BD9-81ED-4DB2-BD59-A6C34878D82A}">
+                    <a16:rowId xmlns:a16="http://schemas.microsoft.com/office/drawing/2014/main" val="2365634374"/>
+                  </a:ext>
+                </a:extLst>
+              </a:tr>
+              <a:tr h="427050">
+                <a:tc>
+                  <a:txBody>
+                    <a:bodyPr/>
+                    <a:lstStyle/>
+                    <a:p>
+                      <a:pPr>
+                        <a:lnSpc>
+                          <a:spcPct val="150000"/>
+                        </a:lnSpc>
+                        <a:spcAft>
+                          <a:spcPts val="0"/>
+                        </a:spcAft>
+                      </a:pPr>
+                      <a:r>
+                        <a:rPr lang="en-US" sz="1200">
+                          <a:effectLst/>
+                        </a:rPr>
+                        <a:t>MSZP</a:t>
+                      </a:r>
+                      <a:endParaRPr lang="en-GB" sz="1100">
+                        <a:effectLst/>
+                        <a:latin typeface="Calibri" panose="020F0502020204030204" pitchFamily="34" charset="0"/>
+                        <a:ea typeface="DengXian" panose="02010600030101010101" pitchFamily="2" charset="-122"/>
+                        <a:cs typeface="Times New Roman" panose="02020603050405020304" pitchFamily="18" charset="0"/>
+                      </a:endParaRPr>
+                    </a:p>
+                  </a:txBody>
+                  <a:tcPr marL="68580" marR="68580" marT="0" marB="0"/>
+                </a:tc>
+                <a:tc>
+                  <a:txBody>
+                    <a:bodyPr/>
+                    <a:lstStyle/>
+                    <a:p>
+                      <a:pPr>
+                        <a:lnSpc>
+                          <a:spcPct val="150000"/>
+                        </a:lnSpc>
+                        <a:spcAft>
+                          <a:spcPts val="0"/>
+                        </a:spcAft>
+                      </a:pPr>
+                      <a:r>
+                        <a:rPr lang="en-US" sz="1200" dirty="0">
+                          <a:effectLst/>
+                        </a:rPr>
+                        <a:t>12.5%</a:t>
+                      </a:r>
+                      <a:endParaRPr lang="en-GB" sz="1100" dirty="0">
+                        <a:effectLst/>
+                        <a:latin typeface="Calibri" panose="020F0502020204030204" pitchFamily="34" charset="0"/>
+                        <a:ea typeface="DengXian" panose="02010600030101010101" pitchFamily="2" charset="-122"/>
+                        <a:cs typeface="Times New Roman" panose="02020603050405020304" pitchFamily="18" charset="0"/>
+                      </a:endParaRPr>
+                    </a:p>
+                  </a:txBody>
+                  <a:tcPr marL="68580" marR="68580" marT="0" marB="0"/>
+                </a:tc>
+                <a:tc>
+                  <a:txBody>
+                    <a:bodyPr/>
+                    <a:lstStyle/>
+                    <a:p>
+                      <a:pPr>
+                        <a:lnSpc>
+                          <a:spcPct val="150000"/>
+                        </a:lnSpc>
+                        <a:spcAft>
+                          <a:spcPts val="0"/>
+                        </a:spcAft>
+                      </a:pPr>
+                      <a:r>
+                        <a:rPr lang="en-US" sz="1200">
+                          <a:effectLst/>
+                        </a:rPr>
+                        <a:t>-0.04%</a:t>
+                      </a:r>
+                      <a:endParaRPr lang="en-GB" sz="1100">
+                        <a:effectLst/>
+                        <a:latin typeface="Calibri" panose="020F0502020204030204" pitchFamily="34" charset="0"/>
+                        <a:ea typeface="DengXian" panose="02010600030101010101" pitchFamily="2" charset="-122"/>
+                        <a:cs typeface="Times New Roman" panose="02020603050405020304" pitchFamily="18" charset="0"/>
+                      </a:endParaRPr>
+                    </a:p>
+                  </a:txBody>
+                  <a:tcPr marL="68580" marR="68580" marT="0" marB="0"/>
+                </a:tc>
+                <a:extLst>
+                  <a:ext uri="{0D108BD9-81ED-4DB2-BD59-A6C34878D82A}">
+                    <a16:rowId xmlns:a16="http://schemas.microsoft.com/office/drawing/2014/main" val="591014895"/>
+                  </a:ext>
+                </a:extLst>
+              </a:tr>
+              <a:tr h="427050">
+                <a:tc>
+                  <a:txBody>
+                    <a:bodyPr/>
+                    <a:lstStyle/>
+                    <a:p>
+                      <a:pPr>
+                        <a:lnSpc>
+                          <a:spcPct val="150000"/>
+                        </a:lnSpc>
+                        <a:spcAft>
+                          <a:spcPts val="0"/>
+                        </a:spcAft>
+                      </a:pPr>
+                      <a:r>
+                        <a:rPr lang="en-US" sz="1200">
+                          <a:effectLst/>
+                        </a:rPr>
+                        <a:t>LMP</a:t>
+                      </a:r>
+                      <a:endParaRPr lang="en-GB" sz="1100">
+                        <a:effectLst/>
+                        <a:latin typeface="Calibri" panose="020F0502020204030204" pitchFamily="34" charset="0"/>
+                        <a:ea typeface="DengXian" panose="02010600030101010101" pitchFamily="2" charset="-122"/>
+                        <a:cs typeface="Times New Roman" panose="02020603050405020304" pitchFamily="18" charset="0"/>
+                      </a:endParaRPr>
+                    </a:p>
+                  </a:txBody>
+                  <a:tcPr marL="68580" marR="68580" marT="0" marB="0"/>
+                </a:tc>
+                <a:tc>
+                  <a:txBody>
+                    <a:bodyPr/>
+                    <a:lstStyle/>
+                    <a:p>
+                      <a:pPr>
+                        <a:lnSpc>
+                          <a:spcPct val="150000"/>
+                        </a:lnSpc>
+                        <a:spcAft>
+                          <a:spcPts val="0"/>
+                        </a:spcAft>
+                      </a:pPr>
+                      <a:r>
+                        <a:rPr lang="en-US" sz="1200">
+                          <a:effectLst/>
+                        </a:rPr>
+                        <a:t>7.36%</a:t>
+                      </a:r>
+                      <a:endParaRPr lang="en-GB" sz="1100">
+                        <a:effectLst/>
+                        <a:latin typeface="Calibri" panose="020F0502020204030204" pitchFamily="34" charset="0"/>
+                        <a:ea typeface="DengXian" panose="02010600030101010101" pitchFamily="2" charset="-122"/>
+                        <a:cs typeface="Times New Roman" panose="02020603050405020304" pitchFamily="18" charset="0"/>
+                      </a:endParaRPr>
+                    </a:p>
+                  </a:txBody>
+                  <a:tcPr marL="68580" marR="68580" marT="0" marB="0"/>
+                </a:tc>
+                <a:tc>
+                  <a:txBody>
+                    <a:bodyPr/>
+                    <a:lstStyle/>
+                    <a:p>
+                      <a:pPr>
+                        <a:lnSpc>
+                          <a:spcPct val="150000"/>
+                        </a:lnSpc>
+                        <a:spcAft>
+                          <a:spcPts val="0"/>
+                        </a:spcAft>
+                      </a:pPr>
+                      <a:r>
+                        <a:rPr lang="en-US" sz="1200">
+                          <a:effectLst/>
+                        </a:rPr>
+                        <a:t>-1.14%</a:t>
+                      </a:r>
+                      <a:endParaRPr lang="en-GB" sz="1100">
+                        <a:effectLst/>
+                        <a:latin typeface="Calibri" panose="020F0502020204030204" pitchFamily="34" charset="0"/>
+                        <a:ea typeface="DengXian" panose="02010600030101010101" pitchFamily="2" charset="-122"/>
+                        <a:cs typeface="Times New Roman" panose="02020603050405020304" pitchFamily="18" charset="0"/>
+                      </a:endParaRPr>
+                    </a:p>
+                  </a:txBody>
+                  <a:tcPr marL="68580" marR="68580" marT="0" marB="0"/>
+                </a:tc>
+                <a:extLst>
+                  <a:ext uri="{0D108BD9-81ED-4DB2-BD59-A6C34878D82A}">
+                    <a16:rowId xmlns:a16="http://schemas.microsoft.com/office/drawing/2014/main" val="1603930338"/>
+                  </a:ext>
+                </a:extLst>
+              </a:tr>
+              <a:tr h="427050">
+                <a:tc>
+                  <a:txBody>
+                    <a:bodyPr/>
+                    <a:lstStyle/>
+                    <a:p>
+                      <a:pPr>
+                        <a:lnSpc>
+                          <a:spcPct val="150000"/>
+                        </a:lnSpc>
+                        <a:spcAft>
+                          <a:spcPts val="0"/>
+                        </a:spcAft>
+                      </a:pPr>
+                      <a:r>
+                        <a:rPr lang="en-US" sz="1200">
+                          <a:effectLst/>
+                        </a:rPr>
+                        <a:t>DK</a:t>
+                      </a:r>
+                      <a:endParaRPr lang="en-GB" sz="1100">
+                        <a:effectLst/>
+                        <a:latin typeface="Calibri" panose="020F0502020204030204" pitchFamily="34" charset="0"/>
+                        <a:ea typeface="DengXian" panose="02010600030101010101" pitchFamily="2" charset="-122"/>
+                        <a:cs typeface="Times New Roman" panose="02020603050405020304" pitchFamily="18" charset="0"/>
+                      </a:endParaRPr>
+                    </a:p>
+                  </a:txBody>
+                  <a:tcPr marL="68580" marR="68580" marT="0" marB="0"/>
+                </a:tc>
+                <a:tc>
+                  <a:txBody>
+                    <a:bodyPr/>
+                    <a:lstStyle/>
+                    <a:p>
+                      <a:pPr>
+                        <a:lnSpc>
+                          <a:spcPct val="150000"/>
+                        </a:lnSpc>
+                        <a:spcAft>
+                          <a:spcPts val="0"/>
+                        </a:spcAft>
+                      </a:pPr>
+                      <a:r>
+                        <a:rPr lang="en-US" sz="1200">
+                          <a:effectLst/>
+                        </a:rPr>
+                        <a:t>5.62%</a:t>
+                      </a:r>
+                      <a:endParaRPr lang="en-GB" sz="1100">
+                        <a:effectLst/>
+                        <a:latin typeface="Calibri" panose="020F0502020204030204" pitchFamily="34" charset="0"/>
+                        <a:ea typeface="DengXian" panose="02010600030101010101" pitchFamily="2" charset="-122"/>
+                        <a:cs typeface="Times New Roman" panose="02020603050405020304" pitchFamily="18" charset="0"/>
+                      </a:endParaRPr>
+                    </a:p>
+                  </a:txBody>
+                  <a:tcPr marL="68580" marR="68580" marT="0" marB="0"/>
+                </a:tc>
+                <a:tc>
+                  <a:txBody>
+                    <a:bodyPr/>
+                    <a:lstStyle/>
+                    <a:p>
+                      <a:pPr>
+                        <a:lnSpc>
+                          <a:spcPct val="150000"/>
+                        </a:lnSpc>
+                        <a:spcAft>
+                          <a:spcPts val="0"/>
+                        </a:spcAft>
+                      </a:pPr>
+                      <a:r>
+                        <a:rPr lang="en-US" sz="1200">
+                          <a:effectLst/>
+                        </a:rPr>
+                        <a:t>-1.88%</a:t>
+                      </a:r>
+                      <a:endParaRPr lang="en-GB" sz="1100">
+                        <a:effectLst/>
+                        <a:latin typeface="Calibri" panose="020F0502020204030204" pitchFamily="34" charset="0"/>
+                        <a:ea typeface="DengXian" panose="02010600030101010101" pitchFamily="2" charset="-122"/>
+                        <a:cs typeface="Times New Roman" panose="02020603050405020304" pitchFamily="18" charset="0"/>
+                      </a:endParaRPr>
+                    </a:p>
+                  </a:txBody>
+                  <a:tcPr marL="68580" marR="68580" marT="0" marB="0"/>
+                </a:tc>
+                <a:extLst>
+                  <a:ext uri="{0D108BD9-81ED-4DB2-BD59-A6C34878D82A}">
+                    <a16:rowId xmlns:a16="http://schemas.microsoft.com/office/drawing/2014/main" val="1561437681"/>
+                  </a:ext>
+                </a:extLst>
+              </a:tr>
+              <a:tr h="427050">
+                <a:tc>
+                  <a:txBody>
+                    <a:bodyPr/>
+                    <a:lstStyle/>
+                    <a:p>
+                      <a:pPr>
+                        <a:lnSpc>
+                          <a:spcPct val="150000"/>
+                        </a:lnSpc>
+                        <a:spcAft>
+                          <a:spcPts val="0"/>
+                        </a:spcAft>
+                      </a:pPr>
+                      <a:r>
+                        <a:rPr lang="en-US" sz="1200">
+                          <a:effectLst/>
+                        </a:rPr>
+                        <a:t>Momentum</a:t>
+                      </a:r>
+                      <a:endParaRPr lang="en-GB" sz="1100">
+                        <a:effectLst/>
+                        <a:latin typeface="Calibri" panose="020F0502020204030204" pitchFamily="34" charset="0"/>
+                        <a:ea typeface="DengXian" panose="02010600030101010101" pitchFamily="2" charset="-122"/>
+                        <a:cs typeface="Times New Roman" panose="02020603050405020304" pitchFamily="18" charset="0"/>
+                      </a:endParaRPr>
+                    </a:p>
+                  </a:txBody>
+                  <a:tcPr marL="68580" marR="68580" marT="0" marB="0"/>
+                </a:tc>
+                <a:tc>
+                  <a:txBody>
+                    <a:bodyPr/>
+                    <a:lstStyle/>
+                    <a:p>
+                      <a:pPr>
+                        <a:lnSpc>
+                          <a:spcPct val="150000"/>
+                        </a:lnSpc>
+                        <a:spcAft>
+                          <a:spcPts val="0"/>
+                        </a:spcAft>
+                      </a:pPr>
+                      <a:r>
+                        <a:rPr lang="en-US" sz="1200">
+                          <a:effectLst/>
+                        </a:rPr>
+                        <a:t>3.19%</a:t>
+                      </a:r>
+                      <a:endParaRPr lang="en-GB" sz="1100">
+                        <a:effectLst/>
+                        <a:latin typeface="Calibri" panose="020F0502020204030204" pitchFamily="34" charset="0"/>
+                        <a:ea typeface="DengXian" panose="02010600030101010101" pitchFamily="2" charset="-122"/>
+                        <a:cs typeface="Times New Roman" panose="02020603050405020304" pitchFamily="18" charset="0"/>
+                      </a:endParaRPr>
+                    </a:p>
+                  </a:txBody>
+                  <a:tcPr marL="68580" marR="68580" marT="0" marB="0"/>
+                </a:tc>
+                <a:tc>
+                  <a:txBody>
+                    <a:bodyPr/>
+                    <a:lstStyle/>
+                    <a:p>
+                      <a:pPr>
+                        <a:lnSpc>
+                          <a:spcPct val="150000"/>
+                        </a:lnSpc>
+                        <a:spcAft>
+                          <a:spcPts val="0"/>
+                        </a:spcAft>
+                      </a:pPr>
+                      <a:r>
+                        <a:rPr lang="en-US" sz="1200">
+                          <a:effectLst/>
+                        </a:rPr>
+                        <a:t>+0.19%</a:t>
+                      </a:r>
+                      <a:endParaRPr lang="en-GB" sz="1100">
+                        <a:effectLst/>
+                        <a:latin typeface="Calibri" panose="020F0502020204030204" pitchFamily="34" charset="0"/>
+                        <a:ea typeface="DengXian" panose="02010600030101010101" pitchFamily="2" charset="-122"/>
+                        <a:cs typeface="Times New Roman" panose="02020603050405020304" pitchFamily="18" charset="0"/>
+                      </a:endParaRPr>
+                    </a:p>
+                  </a:txBody>
+                  <a:tcPr marL="68580" marR="68580" marT="0" marB="0"/>
+                </a:tc>
+                <a:extLst>
+                  <a:ext uri="{0D108BD9-81ED-4DB2-BD59-A6C34878D82A}">
+                    <a16:rowId xmlns:a16="http://schemas.microsoft.com/office/drawing/2014/main" val="1058226844"/>
+                  </a:ext>
+                </a:extLst>
+              </a:tr>
+              <a:tr h="427050">
+                <a:tc>
+                  <a:txBody>
+                    <a:bodyPr/>
+                    <a:lstStyle/>
+                    <a:p>
+                      <a:pPr>
+                        <a:lnSpc>
+                          <a:spcPct val="150000"/>
+                        </a:lnSpc>
+                        <a:spcAft>
+                          <a:spcPts val="0"/>
+                        </a:spcAft>
+                      </a:pPr>
+                      <a:r>
+                        <a:rPr lang="en-US" sz="1200">
+                          <a:effectLst/>
+                        </a:rPr>
+                        <a:t>Együtt</a:t>
+                      </a:r>
+                      <a:endParaRPr lang="en-GB" sz="1100">
+                        <a:effectLst/>
+                        <a:latin typeface="Calibri" panose="020F0502020204030204" pitchFamily="34" charset="0"/>
+                        <a:ea typeface="DengXian" panose="02010600030101010101" pitchFamily="2" charset="-122"/>
+                        <a:cs typeface="Times New Roman" panose="02020603050405020304" pitchFamily="18" charset="0"/>
+                      </a:endParaRPr>
+                    </a:p>
+                  </a:txBody>
+                  <a:tcPr marL="68580" marR="68580" marT="0" marB="0"/>
+                </a:tc>
+                <a:tc>
+                  <a:txBody>
+                    <a:bodyPr/>
+                    <a:lstStyle/>
+                    <a:p>
+                      <a:pPr>
+                        <a:lnSpc>
+                          <a:spcPct val="150000"/>
+                        </a:lnSpc>
+                        <a:spcAft>
+                          <a:spcPts val="0"/>
+                        </a:spcAft>
+                      </a:pPr>
+                      <a:r>
+                        <a:rPr lang="en-US" sz="1200">
+                          <a:effectLst/>
+                        </a:rPr>
+                        <a:t>0.68%</a:t>
+                      </a:r>
+                      <a:endParaRPr lang="en-GB" sz="1100">
+                        <a:effectLst/>
+                        <a:latin typeface="Calibri" panose="020F0502020204030204" pitchFamily="34" charset="0"/>
+                        <a:ea typeface="DengXian" panose="02010600030101010101" pitchFamily="2" charset="-122"/>
+                        <a:cs typeface="Times New Roman" panose="02020603050405020304" pitchFamily="18" charset="0"/>
+                      </a:endParaRPr>
+                    </a:p>
+                  </a:txBody>
+                  <a:tcPr marL="68580" marR="68580" marT="0" marB="0"/>
+                </a:tc>
+                <a:tc>
+                  <a:txBody>
+                    <a:bodyPr/>
+                    <a:lstStyle/>
+                    <a:p>
+                      <a:pPr>
+                        <a:lnSpc>
+                          <a:spcPct val="150000"/>
+                        </a:lnSpc>
+                        <a:spcAft>
+                          <a:spcPts val="0"/>
+                        </a:spcAft>
+                      </a:pPr>
+                      <a:r>
+                        <a:rPr lang="en-US" sz="1200">
+                          <a:effectLst/>
+                        </a:rPr>
+                        <a:t>-1.32%</a:t>
+                      </a:r>
+                      <a:endParaRPr lang="en-GB" sz="1100">
+                        <a:effectLst/>
+                        <a:latin typeface="Calibri" panose="020F0502020204030204" pitchFamily="34" charset="0"/>
+                        <a:ea typeface="DengXian" panose="02010600030101010101" pitchFamily="2" charset="-122"/>
+                        <a:cs typeface="Times New Roman" panose="02020603050405020304" pitchFamily="18" charset="0"/>
+                      </a:endParaRPr>
+                    </a:p>
+                  </a:txBody>
+                  <a:tcPr marL="68580" marR="68580" marT="0" marB="0"/>
+                </a:tc>
+                <a:extLst>
+                  <a:ext uri="{0D108BD9-81ED-4DB2-BD59-A6C34878D82A}">
+                    <a16:rowId xmlns:a16="http://schemas.microsoft.com/office/drawing/2014/main" val="183059405"/>
+                  </a:ext>
+                </a:extLst>
+              </a:tr>
+              <a:tr h="427050">
+                <a:tc>
+                  <a:txBody>
+                    <a:bodyPr/>
+                    <a:lstStyle/>
+                    <a:p>
+                      <a:pPr>
+                        <a:lnSpc>
+                          <a:spcPct val="150000"/>
+                        </a:lnSpc>
+                        <a:spcAft>
+                          <a:spcPts val="0"/>
+                        </a:spcAft>
+                      </a:pPr>
+                      <a:r>
+                        <a:rPr lang="en-US" sz="1200">
+                          <a:effectLst/>
+                        </a:rPr>
+                        <a:t>MKKP</a:t>
+                      </a:r>
+                      <a:endParaRPr lang="en-GB" sz="1100">
+                        <a:effectLst/>
+                        <a:latin typeface="Calibri" panose="020F0502020204030204" pitchFamily="34" charset="0"/>
+                        <a:ea typeface="DengXian" panose="02010600030101010101" pitchFamily="2" charset="-122"/>
+                        <a:cs typeface="Times New Roman" panose="02020603050405020304" pitchFamily="18" charset="0"/>
+                      </a:endParaRPr>
+                    </a:p>
+                  </a:txBody>
+                  <a:tcPr marL="68580" marR="68580" marT="0" marB="0"/>
+                </a:tc>
+                <a:tc>
+                  <a:txBody>
+                    <a:bodyPr/>
+                    <a:lstStyle/>
+                    <a:p>
+                      <a:pPr>
+                        <a:lnSpc>
+                          <a:spcPct val="150000"/>
+                        </a:lnSpc>
+                        <a:spcAft>
+                          <a:spcPts val="0"/>
+                        </a:spcAft>
+                      </a:pPr>
+                      <a:r>
+                        <a:rPr lang="en-US" sz="1200">
+                          <a:effectLst/>
+                        </a:rPr>
+                        <a:t>1.80%</a:t>
+                      </a:r>
+                      <a:endParaRPr lang="en-GB" sz="1100">
+                        <a:effectLst/>
+                        <a:latin typeface="Calibri" panose="020F0502020204030204" pitchFamily="34" charset="0"/>
+                        <a:ea typeface="DengXian" panose="02010600030101010101" pitchFamily="2" charset="-122"/>
+                        <a:cs typeface="Times New Roman" panose="02020603050405020304" pitchFamily="18" charset="0"/>
+                      </a:endParaRPr>
+                    </a:p>
+                  </a:txBody>
+                  <a:tcPr marL="68580" marR="68580" marT="0" marB="0"/>
+                </a:tc>
+                <a:tc>
+                  <a:txBody>
+                    <a:bodyPr/>
+                    <a:lstStyle/>
+                    <a:p>
+                      <a:pPr>
+                        <a:lnSpc>
+                          <a:spcPct val="150000"/>
+                        </a:lnSpc>
+                        <a:spcAft>
+                          <a:spcPts val="0"/>
+                        </a:spcAft>
+                      </a:pPr>
+                      <a:r>
+                        <a:rPr lang="en-US" sz="1200">
+                          <a:effectLst/>
+                        </a:rPr>
+                        <a:t>+0.80%</a:t>
+                      </a:r>
+                      <a:endParaRPr lang="en-GB" sz="1100">
+                        <a:effectLst/>
+                        <a:latin typeface="Calibri" panose="020F0502020204030204" pitchFamily="34" charset="0"/>
+                        <a:ea typeface="DengXian" panose="02010600030101010101" pitchFamily="2" charset="-122"/>
+                        <a:cs typeface="Times New Roman" panose="02020603050405020304" pitchFamily="18" charset="0"/>
+                      </a:endParaRPr>
+                    </a:p>
+                  </a:txBody>
+                  <a:tcPr marL="68580" marR="68580" marT="0" marB="0"/>
+                </a:tc>
+                <a:extLst>
+                  <a:ext uri="{0D108BD9-81ED-4DB2-BD59-A6C34878D82A}">
+                    <a16:rowId xmlns:a16="http://schemas.microsoft.com/office/drawing/2014/main" val="2920827634"/>
+                  </a:ext>
+                </a:extLst>
+              </a:tr>
+              <a:tr h="427050">
+                <a:tc>
+                  <a:txBody>
+                    <a:bodyPr/>
+                    <a:lstStyle/>
+                    <a:p>
+                      <a:pPr>
+                        <a:lnSpc>
+                          <a:spcPct val="150000"/>
+                        </a:lnSpc>
+                        <a:spcAft>
+                          <a:spcPts val="0"/>
+                        </a:spcAft>
+                      </a:pPr>
+                      <a:r>
+                        <a:rPr lang="en-US" sz="1200">
+                          <a:effectLst/>
+                        </a:rPr>
+                        <a:t>Other minor parties</a:t>
+                      </a:r>
+                      <a:endParaRPr lang="en-GB" sz="1100">
+                        <a:effectLst/>
+                        <a:latin typeface="Calibri" panose="020F0502020204030204" pitchFamily="34" charset="0"/>
+                        <a:ea typeface="DengXian" panose="02010600030101010101" pitchFamily="2" charset="-122"/>
+                        <a:cs typeface="Times New Roman" panose="02020603050405020304" pitchFamily="18" charset="0"/>
+                      </a:endParaRPr>
+                    </a:p>
+                  </a:txBody>
+                  <a:tcPr marL="68580" marR="68580" marT="0" marB="0"/>
+                </a:tc>
+                <a:tc>
+                  <a:txBody>
+                    <a:bodyPr/>
+                    <a:lstStyle/>
+                    <a:p>
+                      <a:pPr>
+                        <a:lnSpc>
+                          <a:spcPct val="150000"/>
+                        </a:lnSpc>
+                        <a:spcAft>
+                          <a:spcPts val="0"/>
+                        </a:spcAft>
+                      </a:pPr>
+                      <a:r>
+                        <a:rPr lang="en-US" sz="1200">
+                          <a:effectLst/>
+                        </a:rPr>
+                        <a:t>1.23%</a:t>
+                      </a:r>
+                      <a:endParaRPr lang="en-GB" sz="1100">
+                        <a:effectLst/>
+                        <a:latin typeface="Calibri" panose="020F0502020204030204" pitchFamily="34" charset="0"/>
+                        <a:ea typeface="DengXian" panose="02010600030101010101" pitchFamily="2" charset="-122"/>
+                        <a:cs typeface="Times New Roman" panose="02020603050405020304" pitchFamily="18" charset="0"/>
+                      </a:endParaRPr>
+                    </a:p>
+                  </a:txBody>
+                  <a:tcPr marL="68580" marR="68580" marT="0" marB="0"/>
+                </a:tc>
+                <a:tc>
+                  <a:txBody>
+                    <a:bodyPr/>
+                    <a:lstStyle/>
+                    <a:p>
+                      <a:pPr>
+                        <a:lnSpc>
+                          <a:spcPct val="150000"/>
+                        </a:lnSpc>
+                        <a:spcAft>
+                          <a:spcPts val="0"/>
+                        </a:spcAft>
+                      </a:pPr>
+                      <a:r>
+                        <a:rPr lang="en-US" sz="1200" dirty="0">
+                          <a:effectLst/>
+                        </a:rPr>
+                        <a:t>-</a:t>
+                      </a:r>
+                      <a:endParaRPr lang="en-GB" sz="1100" dirty="0">
+                        <a:effectLst/>
+                        <a:latin typeface="Calibri" panose="020F0502020204030204" pitchFamily="34" charset="0"/>
+                        <a:ea typeface="DengXian" panose="02010600030101010101" pitchFamily="2" charset="-122"/>
+                        <a:cs typeface="Times New Roman" panose="02020603050405020304" pitchFamily="18" charset="0"/>
+                      </a:endParaRPr>
+                    </a:p>
+                  </a:txBody>
+                  <a:tcPr marL="68580" marR="68580" marT="0" marB="0"/>
+                </a:tc>
+                <a:extLst>
+                  <a:ext uri="{0D108BD9-81ED-4DB2-BD59-A6C34878D82A}">
+                    <a16:rowId xmlns:a16="http://schemas.microsoft.com/office/drawing/2014/main" val="1064692939"/>
+                  </a:ext>
+                </a:extLst>
+              </a:tr>
+            </a:tbl>
+          </a:graphicData>
+        </a:graphic>
+      </p:graphicFrame>
     </p:spTree>
     <p:extLst>
       <p:ext uri="{BB962C8B-B14F-4D97-AF65-F5344CB8AC3E}">
